--- a/Daily Agendas/Day11.1_ArduinoSensors1_Nov13.pptx
+++ b/Daily Agendas/Day11.1_ArduinoSensors1_Nov13.pptx
@@ -12,6 +12,7 @@
     <p:sldId id="262" r:id="rId6"/>
     <p:sldId id="263" r:id="rId7"/>
     <p:sldId id="264" r:id="rId8"/>
+    <p:sldId id="265" r:id="rId9"/>
   </p:sldIdLst>
   <p:sldSz cx="9144000" cy="6858000" type="screen4x3"/>
   <p:notesSz cx="7010400" cy="9296400"/>
@@ -309,7 +310,7 @@
             <a:fld id="{1D8BD707-D9CF-40AE-B4C6-C98DA3205C09}" type="datetimeFigureOut">
               <a:rPr lang="en-US" smtClean="0"/>
               <a:pPr/>
-              <a:t>11/13/2017</a:t>
+              <a:t>11/14/2017</a:t>
             </a:fld>
             <a:endParaRPr lang="en-US"/>
           </a:p>
@@ -474,7 +475,7 @@
             <a:fld id="{1D8BD707-D9CF-40AE-B4C6-C98DA3205C09}" type="datetimeFigureOut">
               <a:rPr lang="en-US" smtClean="0"/>
               <a:pPr/>
-              <a:t>11/13/2017</a:t>
+              <a:t>11/14/2017</a:t>
             </a:fld>
             <a:endParaRPr lang="en-US"/>
           </a:p>
@@ -649,7 +650,7 @@
             <a:fld id="{1D8BD707-D9CF-40AE-B4C6-C98DA3205C09}" type="datetimeFigureOut">
               <a:rPr lang="en-US" smtClean="0"/>
               <a:pPr/>
-              <a:t>11/13/2017</a:t>
+              <a:t>11/14/2017</a:t>
             </a:fld>
             <a:endParaRPr lang="en-US"/>
           </a:p>
@@ -814,7 +815,7 @@
             <a:fld id="{1D8BD707-D9CF-40AE-B4C6-C98DA3205C09}" type="datetimeFigureOut">
               <a:rPr lang="en-US" smtClean="0"/>
               <a:pPr/>
-              <a:t>11/13/2017</a:t>
+              <a:t>11/14/2017</a:t>
             </a:fld>
             <a:endParaRPr lang="en-US"/>
           </a:p>
@@ -1056,7 +1057,7 @@
             <a:fld id="{1D8BD707-D9CF-40AE-B4C6-C98DA3205C09}" type="datetimeFigureOut">
               <a:rPr lang="en-US" smtClean="0"/>
               <a:pPr/>
-              <a:t>11/13/2017</a:t>
+              <a:t>11/14/2017</a:t>
             </a:fld>
             <a:endParaRPr lang="en-US"/>
           </a:p>
@@ -1338,7 +1339,7 @@
             <a:fld id="{1D8BD707-D9CF-40AE-B4C6-C98DA3205C09}" type="datetimeFigureOut">
               <a:rPr lang="en-US" smtClean="0"/>
               <a:pPr/>
-              <a:t>11/13/2017</a:t>
+              <a:t>11/14/2017</a:t>
             </a:fld>
             <a:endParaRPr lang="en-US"/>
           </a:p>
@@ -1754,7 +1755,7 @@
             <a:fld id="{1D8BD707-D9CF-40AE-B4C6-C98DA3205C09}" type="datetimeFigureOut">
               <a:rPr lang="en-US" smtClean="0"/>
               <a:pPr/>
-              <a:t>11/13/2017</a:t>
+              <a:t>11/14/2017</a:t>
             </a:fld>
             <a:endParaRPr lang="en-US"/>
           </a:p>
@@ -1868,7 +1869,7 @@
             <a:fld id="{1D8BD707-D9CF-40AE-B4C6-C98DA3205C09}" type="datetimeFigureOut">
               <a:rPr lang="en-US" smtClean="0"/>
               <a:pPr/>
-              <a:t>11/13/2017</a:t>
+              <a:t>11/14/2017</a:t>
             </a:fld>
             <a:endParaRPr lang="en-US"/>
           </a:p>
@@ -1960,7 +1961,7 @@
             <a:fld id="{1D8BD707-D9CF-40AE-B4C6-C98DA3205C09}" type="datetimeFigureOut">
               <a:rPr lang="en-US" smtClean="0"/>
               <a:pPr/>
-              <a:t>11/13/2017</a:t>
+              <a:t>11/14/2017</a:t>
             </a:fld>
             <a:endParaRPr lang="en-US"/>
           </a:p>
@@ -2232,7 +2233,7 @@
             <a:fld id="{1D8BD707-D9CF-40AE-B4C6-C98DA3205C09}" type="datetimeFigureOut">
               <a:rPr lang="en-US" smtClean="0"/>
               <a:pPr/>
-              <a:t>11/13/2017</a:t>
+              <a:t>11/14/2017</a:t>
             </a:fld>
             <a:endParaRPr lang="en-US"/>
           </a:p>
@@ -2481,7 +2482,7 @@
             <a:fld id="{1D8BD707-D9CF-40AE-B4C6-C98DA3205C09}" type="datetimeFigureOut">
               <a:rPr lang="en-US" smtClean="0"/>
               <a:pPr/>
-              <a:t>11/13/2017</a:t>
+              <a:t>11/14/2017</a:t>
             </a:fld>
             <a:endParaRPr lang="en-US"/>
           </a:p>
@@ -2689,7 +2690,7 @@
             <a:fld id="{1D8BD707-D9CF-40AE-B4C6-C98DA3205C09}" type="datetimeFigureOut">
               <a:rPr lang="en-US" smtClean="0"/>
               <a:pPr/>
-              <a:t>11/13/2017</a:t>
+              <a:t>11/14/2017</a:t>
             </a:fld>
             <a:endParaRPr lang="en-US"/>
           </a:p>
@@ -3289,11 +3290,7 @@
                       </a:r>
                       <a:r>
                         <a:rPr lang="en-CA" sz="1600" b="1" baseline="0" dirty="0" smtClean="0"/>
-                        <a:t> </a:t>
-                      </a:r>
-                      <a:r>
-                        <a:rPr lang="en-CA" sz="1600" b="1" baseline="0" dirty="0" smtClean="0"/>
-                        <a:t>(1)</a:t>
+                        <a:t> (1)</a:t>
                       </a:r>
                       <a:endParaRPr lang="en-US" sz="1600" b="1" dirty="0"/>
                     </a:p>
@@ -3312,11 +3309,7 @@
                       </a:r>
                       <a:r>
                         <a:rPr lang="en-CA" sz="1600" b="1" baseline="0" dirty="0" smtClean="0"/>
-                        <a:t> </a:t>
-                      </a:r>
-                      <a:r>
-                        <a:rPr lang="en-CA" sz="1600" b="1" baseline="0" dirty="0" smtClean="0"/>
-                        <a:t>(2)</a:t>
+                        <a:t> (2)</a:t>
                       </a:r>
                       <a:endParaRPr lang="en-US" sz="1600" b="1" dirty="0"/>
                     </a:p>
@@ -3331,11 +3324,7 @@
                       <a:pPr algn="ctr"/>
                       <a:r>
                         <a:rPr lang="en-CA" sz="1600" b="1" dirty="0" smtClean="0"/>
-                        <a:t>Light Sensor </a:t>
-                      </a:r>
-                      <a:r>
-                        <a:rPr lang="en-CA" sz="1600" b="1" dirty="0" smtClean="0"/>
-                        <a:t>(3)</a:t>
+                        <a:t>Light Sensor (3)</a:t>
                       </a:r>
                       <a:endParaRPr lang="en-US" sz="1600" b="1" dirty="0"/>
                     </a:p>
@@ -3534,11 +3523,7 @@
                       </a:r>
                       <a:r>
                         <a:rPr lang="en-CA" sz="1600" b="1" dirty="0" smtClean="0"/>
-                        <a:t> </a:t>
-                      </a:r>
-                      <a:r>
-                        <a:rPr lang="en-CA" sz="1600" b="1" dirty="0" smtClean="0"/>
-                        <a:t>(4)</a:t>
+                        <a:t> (4)</a:t>
                       </a:r>
                       <a:endParaRPr lang="en-US" sz="1600" b="1" dirty="0"/>
                     </a:p>
@@ -3557,11 +3542,7 @@
                       </a:r>
                       <a:r>
                         <a:rPr lang="en-CA" sz="1600" b="1" baseline="0" dirty="0" smtClean="0"/>
-                        <a:t> </a:t>
-                      </a:r>
-                      <a:r>
-                        <a:rPr lang="en-CA" sz="1600" b="1" baseline="0" dirty="0" smtClean="0"/>
-                        <a:t>(5)</a:t>
+                        <a:t> (5)</a:t>
                       </a:r>
                       <a:endParaRPr lang="en-US" sz="1600" b="1" dirty="0"/>
                     </a:p>
@@ -3576,11 +3557,7 @@
                       <a:pPr algn="ctr"/>
                       <a:r>
                         <a:rPr lang="en-CA" sz="1600" b="1" dirty="0" smtClean="0"/>
-                        <a:t>Range Finder  </a:t>
-                      </a:r>
-                      <a:r>
-                        <a:rPr lang="en-CA" sz="1600" b="1" dirty="0" smtClean="0"/>
-                        <a:t>(6)</a:t>
+                        <a:t>Range Finder  (6)</a:t>
                       </a:r>
                       <a:endParaRPr lang="en-US" sz="1600" b="1" dirty="0"/>
                     </a:p>
@@ -3908,6 +3885,13 @@
   <p:clrMapOvr>
     <a:masterClrMapping/>
   </p:clrMapOvr>
+  <p:timing>
+    <p:tnLst>
+      <p:par>
+        <p:cTn id="1" dur="indefinite" restart="never" nodeType="tmRoot"/>
+      </p:par>
+    </p:tnLst>
+  </p:timing>
 </p:sld>
 </file>
 
@@ -4089,6 +4073,13 @@
   <p:clrMapOvr>
     <a:masterClrMapping/>
   </p:clrMapOvr>
+  <p:timing>
+    <p:tnLst>
+      <p:par>
+        <p:cTn id="1" dur="indefinite" restart="never" nodeType="tmRoot"/>
+      </p:par>
+    </p:tnLst>
+  </p:timing>
 </p:sld>
 </file>
 
@@ -4128,11 +4119,7 @@
           <a:p>
             <a:r>
               <a:rPr lang="en-CA" dirty="0" smtClean="0"/>
-              <a:t>PIR Motion </a:t>
-            </a:r>
-            <a:r>
-              <a:rPr lang="en-CA" dirty="0" smtClean="0"/>
-              <a:t>Sensor</a:t>
+              <a:t>PIR Motion Sensor</a:t>
             </a:r>
             <a:br>
               <a:rPr lang="en-CA" dirty="0" smtClean="0"/>
@@ -4291,6 +4278,13 @@
   <p:clrMapOvr>
     <a:masterClrMapping/>
   </p:clrMapOvr>
+  <p:timing>
+    <p:tnLst>
+      <p:par>
+        <p:cTn id="1" dur="indefinite" restart="never" nodeType="tmRoot"/>
+      </p:par>
+    </p:tnLst>
+  </p:timing>
 </p:sld>
 </file>
 
@@ -4381,11 +4375,7 @@
             </a:r>
             <a:r>
               <a:rPr lang="en-CA" sz="2000" dirty="0" smtClean="0"/>
-              <a:t> </a:t>
-            </a:r>
-            <a:r>
-              <a:rPr lang="en-CA" sz="2000" dirty="0" smtClean="0"/>
-              <a:t>Sensor” / Read Documentation / Watch YouTube</a:t>
+              <a:t> Sensor” / Read Documentation / Watch YouTube</a:t>
             </a:r>
           </a:p>
           <a:p>
@@ -4457,15 +4447,7 @@
             </a:pPr>
             <a:r>
               <a:rPr lang="en-CA" sz="2000" dirty="0" smtClean="0"/>
-              <a:t>Import the </a:t>
-            </a:r>
-            <a:r>
-              <a:rPr lang="en-CA" sz="2000" dirty="0" smtClean="0"/>
-              <a:t>“PiezoExample.zip</a:t>
-            </a:r>
-            <a:r>
-              <a:rPr lang="en-CA" sz="2000" dirty="0" smtClean="0"/>
-              <a:t>” folder into Arduino Create</a:t>
+              <a:t>Import the “PiezoExample.zip” folder into Arduino Create</a:t>
             </a:r>
           </a:p>
           <a:p>
@@ -4498,6 +4480,13 @@
   <p:clrMapOvr>
     <a:masterClrMapping/>
   </p:clrMapOvr>
+  <p:timing>
+    <p:tnLst>
+      <p:par>
+        <p:cTn id="1" dur="indefinite" restart="never" nodeType="tmRoot"/>
+      </p:par>
+    </p:tnLst>
+  </p:timing>
 </p:sld>
 </file>
 
@@ -4576,15 +4565,7 @@
             </a:pPr>
             <a:r>
               <a:rPr lang="en-CA" sz="2000" dirty="0" smtClean="0"/>
-              <a:t>Google “OSEEP </a:t>
-            </a:r>
-            <a:r>
-              <a:rPr lang="en-CA" sz="2000" dirty="0" smtClean="0"/>
-              <a:t>Color Sensor</a:t>
-            </a:r>
-            <a:r>
-              <a:rPr lang="en-CA" sz="2000" dirty="0" smtClean="0"/>
-              <a:t>” / Read Documentation / Watch YouTube</a:t>
+              <a:t>Google “OSEEP Color Sensor” / Read Documentation / Watch YouTube</a:t>
             </a:r>
           </a:p>
           <a:p>
@@ -4656,15 +4637,7 @@
             </a:pPr>
             <a:r>
               <a:rPr lang="en-CA" sz="2000" dirty="0" smtClean="0"/>
-              <a:t>Import the </a:t>
-            </a:r>
-            <a:r>
-              <a:rPr lang="en-CA" sz="2000" dirty="0" smtClean="0"/>
-              <a:t>“ColorEample.zip</a:t>
-            </a:r>
-            <a:r>
-              <a:rPr lang="en-CA" sz="2000" dirty="0" smtClean="0"/>
-              <a:t>” folder into Arduino Create</a:t>
+              <a:t>Import the “ColorEample.zip” folder into Arduino Create</a:t>
             </a:r>
           </a:p>
           <a:p>
@@ -4697,6 +4670,138 @@
   <p:clrMapOvr>
     <a:masterClrMapping/>
   </p:clrMapOvr>
+  <p:timing>
+    <p:tnLst>
+      <p:par>
+        <p:cTn id="1" dur="indefinite" restart="never" nodeType="tmRoot"/>
+      </p:par>
+    </p:tnLst>
+  </p:timing>
+</p:sld>
+</file>
+
+<file path=ppt/slides/slide8.xml><?xml version="1.0" encoding="utf-8"?>
+<p:sld xmlns:a="http://schemas.openxmlformats.org/drawingml/2006/main" xmlns:r="http://schemas.openxmlformats.org/officeDocument/2006/relationships" xmlns:p="http://schemas.openxmlformats.org/presentationml/2006/main">
+  <p:cSld>
+    <p:spTree>
+      <p:nvGrpSpPr>
+        <p:cNvPr id="1" name=""/>
+        <p:cNvGrpSpPr/>
+        <p:nvPr/>
+      </p:nvGrpSpPr>
+      <p:grpSpPr>
+        <a:xfrm>
+          <a:off x="0" y="0"/>
+          <a:ext cx="0" cy="0"/>
+          <a:chOff x="0" y="0"/>
+          <a:chExt cx="0" cy="0"/>
+        </a:xfrm>
+      </p:grpSpPr>
+      <p:sp>
+        <p:nvSpPr>
+          <p:cNvPr id="2" name="Title 1"/>
+          <p:cNvSpPr>
+            <a:spLocks noGrp="1"/>
+          </p:cNvSpPr>
+          <p:nvPr>
+            <p:ph type="title"/>
+          </p:nvPr>
+        </p:nvSpPr>
+        <p:spPr/>
+        <p:txBody>
+          <a:bodyPr/>
+          <a:lstStyle/>
+          <a:p>
+            <a:r>
+              <a:rPr lang="en-CA" dirty="0" smtClean="0"/>
+              <a:t>Part 2</a:t>
+            </a:r>
+            <a:endParaRPr lang="en-US" dirty="0"/>
+          </a:p>
+        </p:txBody>
+      </p:sp>
+      <p:sp>
+        <p:nvSpPr>
+          <p:cNvPr id="3" name="Content Placeholder 2"/>
+          <p:cNvSpPr>
+            <a:spLocks noGrp="1"/>
+          </p:cNvSpPr>
+          <p:nvPr>
+            <p:ph idx="1"/>
+          </p:nvPr>
+        </p:nvSpPr>
+        <p:spPr/>
+        <p:txBody>
+          <a:bodyPr/>
+          <a:lstStyle/>
+          <a:p>
+            <a:pPr marL="514350" indent="-514350">
+              <a:buFont typeface="+mj-lt"/>
+              <a:buAutoNum type="arabicPeriod"/>
+            </a:pPr>
+            <a:r>
+              <a:rPr lang="en-CA" dirty="0" smtClean="0"/>
+              <a:t>List 3 Applications of your sensor.</a:t>
+            </a:r>
+          </a:p>
+          <a:p>
+            <a:pPr marL="914400" lvl="1" indent="-514350"/>
+            <a:r>
+              <a:rPr lang="en-CA" dirty="0" smtClean="0"/>
+              <a:t>In the home / school / business</a:t>
+            </a:r>
+          </a:p>
+          <a:p>
+            <a:pPr marL="514350" indent="-514350">
+              <a:buFont typeface="+mj-lt"/>
+              <a:buAutoNum type="arabicPeriod"/>
+            </a:pPr>
+            <a:endParaRPr lang="en-CA" dirty="0"/>
+          </a:p>
+          <a:p>
+            <a:pPr marL="514350" indent="-514350">
+              <a:buFont typeface="+mj-lt"/>
+              <a:buAutoNum type="arabicPeriod"/>
+            </a:pPr>
+            <a:r>
+              <a:rPr lang="en-CA" dirty="0" smtClean="0"/>
+              <a:t>Design an application using your sensor</a:t>
+            </a:r>
+          </a:p>
+          <a:p>
+            <a:pPr lvl="1"/>
+            <a:r>
+              <a:rPr lang="en-CA" dirty="0" smtClean="0"/>
+              <a:t>Different from the 3 applications above</a:t>
+            </a:r>
+          </a:p>
+          <a:p>
+            <a:pPr lvl="1"/>
+            <a:r>
+              <a:rPr lang="en-CA" dirty="0" smtClean="0"/>
+              <a:t>Creativity will be rewarded</a:t>
+            </a:r>
+            <a:endParaRPr lang="en-US" dirty="0"/>
+          </a:p>
+        </p:txBody>
+      </p:sp>
+    </p:spTree>
+    <p:extLst>
+      <p:ext uri="{BB962C8B-B14F-4D97-AF65-F5344CB8AC3E}">
+        <p14:creationId xmlns:p14="http://schemas.microsoft.com/office/powerpoint/2010/main" val="1401242340"/>
+      </p:ext>
+    </p:extLst>
+  </p:cSld>
+  <p:clrMapOvr>
+    <a:masterClrMapping/>
+  </p:clrMapOvr>
+  <p:timing>
+    <p:tnLst>
+      <p:par>
+        <p:cTn id="1" dur="indefinite" restart="never" nodeType="tmRoot"/>
+      </p:par>
+    </p:tnLst>
+  </p:timing>
 </p:sld>
 </file>
 
